--- a/SDXL, Improving Latent Diffusion Models for High-Resolution Image Synthesis/SDXL, Improving Latent Diffusion Models for High-Resolution Image Synthesis.pptx
+++ b/SDXL, Improving Latent Diffusion Models for High-Resolution Image Synthesis/SDXL, Improving Latent Diffusion Models for High-Resolution Image Synthesis.pptx
@@ -5,7 +5,7 @@
     <p:sldMasterId id="2147483648" r:id="rId1"/>
   </p:sldMasterIdLst>
   <p:notesMasterIdLst>
-    <p:notesMasterId r:id="rId9"/>
+    <p:notesMasterId r:id="rId11"/>
   </p:notesMasterIdLst>
   <p:sldIdLst>
     <p:sldId id="256" r:id="rId2"/>
@@ -13,8 +13,10 @@
     <p:sldId id="290" r:id="rId4"/>
     <p:sldId id="289" r:id="rId5"/>
     <p:sldId id="292" r:id="rId6"/>
-    <p:sldId id="291" r:id="rId7"/>
-    <p:sldId id="270" r:id="rId8"/>
+    <p:sldId id="293" r:id="rId7"/>
+    <p:sldId id="291" r:id="rId8"/>
+    <p:sldId id="294" r:id="rId9"/>
+    <p:sldId id="270" r:id="rId10"/>
   </p:sldIdLst>
   <p:sldSz cx="12192000" cy="6858000"/>
   <p:notesSz cx="6858000" cy="9144000"/>
@@ -215,7 +217,7 @@
           <a:p>
             <a:fld id="{4890B703-0836-499D-9F8D-D18F794AD7C3}" type="datetimeFigureOut">
               <a:rPr lang="ko-KR" altLang="en-US" smtClean="0"/>
-              <a:t>2023-09-18</a:t>
+              <a:t>2023-09-19</a:t>
             </a:fld>
             <a:endParaRPr lang="ko-KR" altLang="en-US"/>
           </a:p>
@@ -629,7 +631,7 @@
           <a:p>
             <a:fld id="{C98425AB-0F5E-4B1B-A3F7-CE19EA6D8895}" type="datetimeFigureOut">
               <a:rPr lang="ko-KR" altLang="en-US" smtClean="0"/>
-              <a:t>2023-09-18</a:t>
+              <a:t>2023-09-19</a:t>
             </a:fld>
             <a:endParaRPr lang="ko-KR" altLang="en-US"/>
           </a:p>
@@ -827,7 +829,7 @@
           <a:p>
             <a:fld id="{C98425AB-0F5E-4B1B-A3F7-CE19EA6D8895}" type="datetimeFigureOut">
               <a:rPr lang="ko-KR" altLang="en-US" smtClean="0"/>
-              <a:t>2023-09-18</a:t>
+              <a:t>2023-09-19</a:t>
             </a:fld>
             <a:endParaRPr lang="ko-KR" altLang="en-US"/>
           </a:p>
@@ -1035,7 +1037,7 @@
           <a:p>
             <a:fld id="{C98425AB-0F5E-4B1B-A3F7-CE19EA6D8895}" type="datetimeFigureOut">
               <a:rPr lang="ko-KR" altLang="en-US" smtClean="0"/>
-              <a:t>2023-09-18</a:t>
+              <a:t>2023-09-19</a:t>
             </a:fld>
             <a:endParaRPr lang="ko-KR" altLang="en-US"/>
           </a:p>
@@ -1233,7 +1235,7 @@
           <a:p>
             <a:fld id="{C98425AB-0F5E-4B1B-A3F7-CE19EA6D8895}" type="datetimeFigureOut">
               <a:rPr lang="ko-KR" altLang="en-US" smtClean="0"/>
-              <a:t>2023-09-18</a:t>
+              <a:t>2023-09-19</a:t>
             </a:fld>
             <a:endParaRPr lang="ko-KR" altLang="en-US"/>
           </a:p>
@@ -1508,7 +1510,7 @@
           <a:p>
             <a:fld id="{C98425AB-0F5E-4B1B-A3F7-CE19EA6D8895}" type="datetimeFigureOut">
               <a:rPr lang="ko-KR" altLang="en-US" smtClean="0"/>
-              <a:t>2023-09-18</a:t>
+              <a:t>2023-09-19</a:t>
             </a:fld>
             <a:endParaRPr lang="ko-KR" altLang="en-US"/>
           </a:p>
@@ -1773,7 +1775,7 @@
           <a:p>
             <a:fld id="{C98425AB-0F5E-4B1B-A3F7-CE19EA6D8895}" type="datetimeFigureOut">
               <a:rPr lang="ko-KR" altLang="en-US" smtClean="0"/>
-              <a:t>2023-09-18</a:t>
+              <a:t>2023-09-19</a:t>
             </a:fld>
             <a:endParaRPr lang="ko-KR" altLang="en-US"/>
           </a:p>
@@ -2185,7 +2187,7 @@
           <a:p>
             <a:fld id="{C98425AB-0F5E-4B1B-A3F7-CE19EA6D8895}" type="datetimeFigureOut">
               <a:rPr lang="ko-KR" altLang="en-US" smtClean="0"/>
-              <a:t>2023-09-18</a:t>
+              <a:t>2023-09-19</a:t>
             </a:fld>
             <a:endParaRPr lang="ko-KR" altLang="en-US"/>
           </a:p>
@@ -2326,7 +2328,7 @@
           <a:p>
             <a:fld id="{C98425AB-0F5E-4B1B-A3F7-CE19EA6D8895}" type="datetimeFigureOut">
               <a:rPr lang="ko-KR" altLang="en-US" smtClean="0"/>
-              <a:t>2023-09-18</a:t>
+              <a:t>2023-09-19</a:t>
             </a:fld>
             <a:endParaRPr lang="ko-KR" altLang="en-US"/>
           </a:p>
@@ -2439,7 +2441,7 @@
           <a:p>
             <a:fld id="{C98425AB-0F5E-4B1B-A3F7-CE19EA6D8895}" type="datetimeFigureOut">
               <a:rPr lang="ko-KR" altLang="en-US" smtClean="0"/>
-              <a:t>2023-09-18</a:t>
+              <a:t>2023-09-19</a:t>
             </a:fld>
             <a:endParaRPr lang="ko-KR" altLang="en-US"/>
           </a:p>
@@ -2750,7 +2752,7 @@
           <a:p>
             <a:fld id="{C98425AB-0F5E-4B1B-A3F7-CE19EA6D8895}" type="datetimeFigureOut">
               <a:rPr lang="ko-KR" altLang="en-US" smtClean="0"/>
-              <a:t>2023-09-18</a:t>
+              <a:t>2023-09-19</a:t>
             </a:fld>
             <a:endParaRPr lang="ko-KR" altLang="en-US"/>
           </a:p>
@@ -3038,7 +3040,7 @@
           <a:p>
             <a:fld id="{C98425AB-0F5E-4B1B-A3F7-CE19EA6D8895}" type="datetimeFigureOut">
               <a:rPr lang="ko-KR" altLang="en-US" smtClean="0"/>
-              <a:t>2023-09-18</a:t>
+              <a:t>2023-09-19</a:t>
             </a:fld>
             <a:endParaRPr lang="ko-KR" altLang="en-US"/>
           </a:p>
@@ -3279,7 +3281,7 @@
           <a:p>
             <a:fld id="{C98425AB-0F5E-4B1B-A3F7-CE19EA6D8895}" type="datetimeFigureOut">
               <a:rPr lang="ko-KR" altLang="en-US" smtClean="0"/>
-              <a:t>2023-09-18</a:t>
+              <a:t>2023-09-19</a:t>
             </a:fld>
             <a:endParaRPr lang="ko-KR" altLang="en-US"/>
           </a:p>
@@ -5463,11 +5465,11 @@
           <a:p>
             <a:r>
               <a:rPr lang="en-US" altLang="ko-KR" dirty="0"/>
-              <a:t>1. </a:t>
+              <a:t>2. </a:t>
             </a:r>
             <a:r>
               <a:rPr lang="ko-KR" altLang="en-US" dirty="0"/>
-              <a:t>논문 개요</a:t>
+              <a:t>모델</a:t>
             </a:r>
           </a:p>
         </p:txBody>
@@ -5627,6 +5629,285 @@
     </p:spTree>
     <p:extLst>
       <p:ext uri="{BB962C8B-B14F-4D97-AF65-F5344CB8AC3E}">
+        <p14:creationId xmlns:p14="http://schemas.microsoft.com/office/powerpoint/2010/main" val="3472982610"/>
+      </p:ext>
+    </p:extLst>
+  </p:cSld>
+  <p:clrMapOvr>
+    <a:masterClrMapping/>
+  </p:clrMapOvr>
+</p:sld>
+</file>
+
+<file path=ppt/slides/slide7.xml><?xml version="1.0" encoding="utf-8"?>
+<p:sld xmlns:a="http://schemas.openxmlformats.org/drawingml/2006/main" xmlns:r="http://schemas.openxmlformats.org/officeDocument/2006/relationships" xmlns:p="http://schemas.openxmlformats.org/presentationml/2006/main">
+  <p:cSld>
+    <p:spTree>
+      <p:nvGrpSpPr>
+        <p:cNvPr id="1" name=""/>
+        <p:cNvGrpSpPr/>
+        <p:nvPr/>
+      </p:nvGrpSpPr>
+      <p:grpSpPr>
+        <a:xfrm>
+          <a:off x="0" y="0"/>
+          <a:ext cx="0" cy="0"/>
+          <a:chOff x="0" y="0"/>
+          <a:chExt cx="0" cy="0"/>
+        </a:xfrm>
+      </p:grpSpPr>
+      <p:sp>
+        <p:nvSpPr>
+          <p:cNvPr id="2" name="제목 1">
+            <a:extLst>
+              <a:ext uri="{FF2B5EF4-FFF2-40B4-BE49-F238E27FC236}">
+                <a16:creationId xmlns:a16="http://schemas.microsoft.com/office/drawing/2014/main" id="{44FE026F-B914-4142-BADB-732B8F33197D}"/>
+              </a:ext>
+            </a:extLst>
+          </p:cNvPr>
+          <p:cNvSpPr>
+            <a:spLocks noGrp="1"/>
+          </p:cNvSpPr>
+          <p:nvPr>
+            <p:ph type="title"/>
+          </p:nvPr>
+        </p:nvSpPr>
+        <p:spPr/>
+        <p:txBody>
+          <a:bodyPr/>
+          <a:lstStyle/>
+          <a:p>
+            <a:r>
+              <a:rPr lang="en-US" altLang="ko-KR" dirty="0"/>
+              <a:t>2. </a:t>
+            </a:r>
+            <a:r>
+              <a:rPr lang="ko-KR" altLang="en-US" dirty="0"/>
+              <a:t>모델</a:t>
+            </a:r>
+          </a:p>
+        </p:txBody>
+      </p:sp>
+      <p:sp>
+        <p:nvSpPr>
+          <p:cNvPr id="3" name="내용 개체 틀 2">
+            <a:extLst>
+              <a:ext uri="{FF2B5EF4-FFF2-40B4-BE49-F238E27FC236}">
+                <a16:creationId xmlns:a16="http://schemas.microsoft.com/office/drawing/2014/main" id="{D63970B6-5284-4F9C-BDF9-4E45BBA90717}"/>
+              </a:ext>
+            </a:extLst>
+          </p:cNvPr>
+          <p:cNvSpPr>
+            <a:spLocks noGrp="1"/>
+          </p:cNvSpPr>
+          <p:nvPr>
+            <p:ph idx="1"/>
+          </p:nvPr>
+        </p:nvSpPr>
+        <p:spPr>
+          <a:xfrm>
+            <a:off x="838200" y="1506071"/>
+            <a:ext cx="10515600" cy="2889810"/>
+          </a:xfrm>
+        </p:spPr>
+        <p:txBody>
+          <a:bodyPr>
+            <a:normAutofit/>
+          </a:bodyPr>
+          <a:lstStyle/>
+          <a:p>
+            <a:pPr marL="514350" indent="-514350" algn="l">
+              <a:buFont typeface="+mj-ea"/>
+              <a:buAutoNum type="circleNumDbPlain"/>
+            </a:pPr>
+            <a:r>
+              <a:rPr lang="ko-KR" altLang="en-US" dirty="0" err="1">
+                <a:latin typeface="맑은 고딕 (본문)"/>
+              </a:rPr>
+              <a:t>아키텍쳐</a:t>
+            </a:r>
+            <a:endParaRPr lang="en-US" altLang="ko-KR" sz="2800" dirty="0">
+              <a:latin typeface="맑은 고딕 (본문)"/>
+            </a:endParaRPr>
+          </a:p>
+          <a:p>
+            <a:pPr algn="l">
+              <a:buFontTx/>
+              <a:buChar char="-"/>
+            </a:pPr>
+            <a:r>
+              <a:rPr lang="ko-KR" altLang="en-US" sz="2800" dirty="0">
+                <a:latin typeface="맑은 고딕 (본문)"/>
+              </a:rPr>
+              <a:t>기존 </a:t>
+            </a:r>
+            <a:r>
+              <a:rPr lang="en-US" altLang="ko-KR" sz="2800" dirty="0">
+                <a:latin typeface="맑은 고딕 (본문)"/>
+              </a:rPr>
+              <a:t>Stable diffusion model </a:t>
+            </a:r>
+            <a:r>
+              <a:rPr lang="ko-KR" altLang="en-US" sz="2800" dirty="0">
+                <a:latin typeface="맑은 고딕 (본문)"/>
+              </a:rPr>
+              <a:t>대비</a:t>
+            </a:r>
+            <a:r>
+              <a:rPr lang="en-US" altLang="ko-KR" dirty="0">
+                <a:latin typeface="맑은 고딕 (본문)"/>
+              </a:rPr>
+              <a:t> 3</a:t>
+            </a:r>
+            <a:r>
+              <a:rPr lang="ko-KR" altLang="en-US" dirty="0">
+                <a:latin typeface="맑은 고딕 (본문)"/>
+              </a:rPr>
+              <a:t>배 이상 커진 </a:t>
+            </a:r>
+            <a:r>
+              <a:rPr lang="en-US" altLang="ko-KR" dirty="0" err="1">
+                <a:latin typeface="맑은 고딕 (본문)"/>
+              </a:rPr>
+              <a:t>Unet</a:t>
+            </a:r>
+            <a:endParaRPr lang="en-US" altLang="ko-KR" dirty="0">
+              <a:latin typeface="맑은 고딕 (본문)"/>
+            </a:endParaRPr>
+          </a:p>
+          <a:p>
+            <a:pPr algn="l">
+              <a:buFontTx/>
+              <a:buChar char="-"/>
+            </a:pPr>
+            <a:r>
+              <a:rPr lang="en-US" altLang="ko-KR" dirty="0">
+                <a:latin typeface="맑은 고딕 (본문)"/>
+              </a:rPr>
+              <a:t>CLIP </a:t>
+            </a:r>
+            <a:r>
+              <a:rPr lang="en-US" altLang="ko-KR" dirty="0" err="1">
+                <a:latin typeface="맑은 고딕 (본문)"/>
+              </a:rPr>
+              <a:t>ViT</a:t>
+            </a:r>
+            <a:r>
+              <a:rPr lang="en-US" altLang="ko-KR" dirty="0">
+                <a:latin typeface="맑은 고딕 (본문)"/>
+              </a:rPr>
+              <a:t> </a:t>
+            </a:r>
+            <a:r>
+              <a:rPr lang="ko-KR" altLang="en-US" dirty="0">
+                <a:latin typeface="맑은 고딕 (본문)"/>
+              </a:rPr>
+              <a:t>모델을 활용해서 </a:t>
+            </a:r>
+            <a:r>
+              <a:rPr lang="en-US" altLang="ko-KR" dirty="0">
+                <a:latin typeface="맑은 고딕 (본문)"/>
+              </a:rPr>
+              <a:t>817M</a:t>
+            </a:r>
+            <a:r>
+              <a:rPr lang="ko-KR" altLang="en-US" dirty="0">
+                <a:latin typeface="맑은 고딕 (본문)"/>
+              </a:rPr>
+              <a:t>개의 파라미터를 가진 인코더</a:t>
+            </a:r>
+            <a:endParaRPr lang="en-US" altLang="ko-KR" dirty="0">
+              <a:latin typeface="맑은 고딕 (본문)"/>
+            </a:endParaRPr>
+          </a:p>
+          <a:p>
+            <a:pPr algn="l">
+              <a:buFontTx/>
+              <a:buChar char="-"/>
+            </a:pPr>
+            <a:r>
+              <a:rPr lang="en-US" altLang="ko-KR" dirty="0">
+                <a:latin typeface="맑은 고딕 (본문)"/>
+              </a:rPr>
+              <a:t>2048</a:t>
+            </a:r>
+            <a:r>
+              <a:rPr lang="ko-KR" altLang="en-US" dirty="0">
+                <a:latin typeface="맑은 고딕 (본문)"/>
+              </a:rPr>
+              <a:t>로 증가한 </a:t>
+            </a:r>
+            <a:r>
+              <a:rPr lang="en-US" altLang="ko-KR" dirty="0">
+                <a:latin typeface="맑은 고딕 (본문)"/>
+              </a:rPr>
+              <a:t>Context dimension</a:t>
+            </a:r>
+          </a:p>
+          <a:p>
+            <a:pPr algn="l">
+              <a:buFontTx/>
+              <a:buChar char="-"/>
+            </a:pPr>
+            <a:endParaRPr lang="en-US" altLang="ko-KR" sz="2800" dirty="0">
+              <a:latin typeface="맑은 고딕 (본문)"/>
+            </a:endParaRPr>
+          </a:p>
+          <a:p>
+            <a:pPr algn="l">
+              <a:buFontTx/>
+              <a:buChar char="-"/>
+            </a:pPr>
+            <a:endParaRPr lang="en-US" altLang="ko-KR" sz="2800" dirty="0">
+              <a:latin typeface="맑은 고딕 (본문)"/>
+            </a:endParaRPr>
+          </a:p>
+          <a:p>
+            <a:pPr marL="342900" indent="-342900" algn="l">
+              <a:buFontTx/>
+              <a:buChar char="-"/>
+            </a:pPr>
+            <a:endParaRPr lang="en-US" altLang="ko-KR" sz="2800" dirty="0">
+              <a:latin typeface="맑은 고딕 (본문)"/>
+            </a:endParaRPr>
+          </a:p>
+          <a:p>
+            <a:endParaRPr lang="ko-KR" altLang="en-US" dirty="0"/>
+          </a:p>
+        </p:txBody>
+      </p:sp>
+      <p:pic>
+        <p:nvPicPr>
+          <p:cNvPr id="6" name="그림 5">
+            <a:extLst>
+              <a:ext uri="{FF2B5EF4-FFF2-40B4-BE49-F238E27FC236}">
+                <a16:creationId xmlns:a16="http://schemas.microsoft.com/office/drawing/2014/main" id="{29CA553E-BA43-496B-9426-F0D6B06AFD39}"/>
+              </a:ext>
+            </a:extLst>
+          </p:cNvPr>
+          <p:cNvPicPr>
+            <a:picLocks noChangeAspect="1"/>
+          </p:cNvPicPr>
+          <p:nvPr/>
+        </p:nvPicPr>
+        <p:blipFill rotWithShape="1">
+          <a:blip r:embed="rId2"/>
+          <a:srcRect t="1138"/>
+          <a:stretch/>
+        </p:blipFill>
+        <p:spPr>
+          <a:xfrm>
+            <a:off x="2390258" y="4312024"/>
+            <a:ext cx="7411484" cy="1714060"/>
+          </a:xfrm>
+          <a:prstGeom prst="rect">
+            <a:avLst/>
+          </a:prstGeom>
+        </p:spPr>
+      </p:pic>
+    </p:spTree>
+    <p:extLst>
+      <p:ext uri="{BB962C8B-B14F-4D97-AF65-F5344CB8AC3E}">
         <p14:creationId xmlns:p14="http://schemas.microsoft.com/office/powerpoint/2010/main" val="2006261471"/>
       </p:ext>
     </p:extLst>
@@ -5637,7 +5918,176 @@
 </p:sld>
 </file>
 
-<file path=ppt/slides/slide7.xml><?xml version="1.0" encoding="utf-8"?>
+<file path=ppt/slides/slide8.xml><?xml version="1.0" encoding="utf-8"?>
+<p:sld xmlns:a="http://schemas.openxmlformats.org/drawingml/2006/main" xmlns:r="http://schemas.openxmlformats.org/officeDocument/2006/relationships" xmlns:p="http://schemas.openxmlformats.org/presentationml/2006/main">
+  <p:cSld>
+    <p:spTree>
+      <p:nvGrpSpPr>
+        <p:cNvPr id="1" name=""/>
+        <p:cNvGrpSpPr/>
+        <p:nvPr/>
+      </p:nvGrpSpPr>
+      <p:grpSpPr>
+        <a:xfrm>
+          <a:off x="0" y="0"/>
+          <a:ext cx="0" cy="0"/>
+          <a:chOff x="0" y="0"/>
+          <a:chExt cx="0" cy="0"/>
+        </a:xfrm>
+      </p:grpSpPr>
+      <p:sp>
+        <p:nvSpPr>
+          <p:cNvPr id="2" name="제목 1">
+            <a:extLst>
+              <a:ext uri="{FF2B5EF4-FFF2-40B4-BE49-F238E27FC236}">
+                <a16:creationId xmlns:a16="http://schemas.microsoft.com/office/drawing/2014/main" id="{44FE026F-B914-4142-BADB-732B8F33197D}"/>
+              </a:ext>
+            </a:extLst>
+          </p:cNvPr>
+          <p:cNvSpPr>
+            <a:spLocks noGrp="1"/>
+          </p:cNvSpPr>
+          <p:nvPr>
+            <p:ph type="title"/>
+          </p:nvPr>
+        </p:nvSpPr>
+        <p:spPr/>
+        <p:txBody>
+          <a:bodyPr/>
+          <a:lstStyle/>
+          <a:p>
+            <a:r>
+              <a:rPr lang="en-US" altLang="ko-KR" dirty="0"/>
+              <a:t>2. </a:t>
+            </a:r>
+            <a:r>
+              <a:rPr lang="ko-KR" altLang="en-US" dirty="0"/>
+              <a:t>모델</a:t>
+            </a:r>
+          </a:p>
+        </p:txBody>
+      </p:sp>
+      <p:sp>
+        <p:nvSpPr>
+          <p:cNvPr id="3" name="내용 개체 틀 2">
+            <a:extLst>
+              <a:ext uri="{FF2B5EF4-FFF2-40B4-BE49-F238E27FC236}">
+                <a16:creationId xmlns:a16="http://schemas.microsoft.com/office/drawing/2014/main" id="{D63970B6-5284-4F9C-BDF9-4E45BBA90717}"/>
+              </a:ext>
+            </a:extLst>
+          </p:cNvPr>
+          <p:cNvSpPr>
+            <a:spLocks noGrp="1"/>
+          </p:cNvSpPr>
+          <p:nvPr>
+            <p:ph idx="1"/>
+          </p:nvPr>
+        </p:nvSpPr>
+        <p:spPr>
+          <a:xfrm>
+            <a:off x="838200" y="1506071"/>
+            <a:ext cx="6001871" cy="2889810"/>
+          </a:xfrm>
+        </p:spPr>
+        <p:txBody>
+          <a:bodyPr>
+            <a:normAutofit/>
+          </a:bodyPr>
+          <a:lstStyle/>
+          <a:p>
+            <a:pPr marL="514350" indent="-514350" algn="l">
+              <a:buFont typeface="+mj-ea"/>
+              <a:buAutoNum type="circleNumDbPlain" startAt="2"/>
+            </a:pPr>
+            <a:r>
+              <a:rPr lang="en-US" altLang="ko-KR" dirty="0">
+                <a:latin typeface="맑은 고딕 (본문)"/>
+              </a:rPr>
+              <a:t>Micro-Conditioning</a:t>
+            </a:r>
+          </a:p>
+          <a:p>
+            <a:pPr algn="l">
+              <a:buFontTx/>
+              <a:buChar char="-"/>
+            </a:pPr>
+            <a:r>
+              <a:rPr lang="ko-KR" altLang="en-US" sz="2800" dirty="0">
+                <a:latin typeface="맑은 고딕 (본문)"/>
+              </a:rPr>
+              <a:t>기</a:t>
+            </a:r>
+            <a:endParaRPr lang="en-US" altLang="ko-KR" sz="2800" dirty="0">
+              <a:latin typeface="맑은 고딕 (본문)"/>
+            </a:endParaRPr>
+          </a:p>
+          <a:p>
+            <a:pPr algn="l">
+              <a:buFontTx/>
+              <a:buChar char="-"/>
+            </a:pPr>
+            <a:endParaRPr lang="en-US" altLang="ko-KR" sz="2800" dirty="0">
+              <a:latin typeface="맑은 고딕 (본문)"/>
+            </a:endParaRPr>
+          </a:p>
+          <a:p>
+            <a:pPr marL="342900" indent="-342900" algn="l">
+              <a:buFontTx/>
+              <a:buChar char="-"/>
+            </a:pPr>
+            <a:endParaRPr lang="en-US" altLang="ko-KR" sz="2800" dirty="0">
+              <a:latin typeface="맑은 고딕 (본문)"/>
+            </a:endParaRPr>
+          </a:p>
+          <a:p>
+            <a:endParaRPr lang="ko-KR" altLang="en-US" dirty="0"/>
+          </a:p>
+        </p:txBody>
+      </p:sp>
+      <p:pic>
+        <p:nvPicPr>
+          <p:cNvPr id="5" name="그림 4">
+            <a:extLst>
+              <a:ext uri="{FF2B5EF4-FFF2-40B4-BE49-F238E27FC236}">
+                <a16:creationId xmlns:a16="http://schemas.microsoft.com/office/drawing/2014/main" id="{62FB4BFD-0C34-4F59-B78F-EA0A4BA59E11}"/>
+              </a:ext>
+            </a:extLst>
+          </p:cNvPr>
+          <p:cNvPicPr>
+            <a:picLocks noChangeAspect="1"/>
+          </p:cNvPicPr>
+          <p:nvPr/>
+        </p:nvPicPr>
+        <p:blipFill>
+          <a:blip r:embed="rId2"/>
+          <a:stretch>
+            <a:fillRect/>
+          </a:stretch>
+        </p:blipFill>
+        <p:spPr>
+          <a:xfrm>
+            <a:off x="7228899" y="1166455"/>
+            <a:ext cx="4124901" cy="3229426"/>
+          </a:xfrm>
+          <a:prstGeom prst="rect">
+            <a:avLst/>
+          </a:prstGeom>
+        </p:spPr>
+      </p:pic>
+    </p:spTree>
+    <p:extLst>
+      <p:ext uri="{BB962C8B-B14F-4D97-AF65-F5344CB8AC3E}">
+        <p14:creationId xmlns:p14="http://schemas.microsoft.com/office/powerpoint/2010/main" val="3456913878"/>
+      </p:ext>
+    </p:extLst>
+  </p:cSld>
+  <p:clrMapOvr>
+    <a:masterClrMapping/>
+  </p:clrMapOvr>
+</p:sld>
+</file>
+
+<file path=ppt/slides/slide9.xml><?xml version="1.0" encoding="utf-8"?>
 <p:sld xmlns:a="http://schemas.openxmlformats.org/drawingml/2006/main" xmlns:r="http://schemas.openxmlformats.org/officeDocument/2006/relationships" xmlns:p="http://schemas.openxmlformats.org/presentationml/2006/main">
   <p:cSld>
     <p:spTree>
